--- a/MIscellaneous/JD_Intro_Indexing_2020.pptx
+++ b/MIscellaneous/JD_Intro_Indexing_2020.pptx
@@ -39975,5 +39975,7 @@
 </file>
 
 <file path=docMetadata/LabelInfo.xml><?xml version="1.0" encoding="utf-8"?>
-<clbl:labelList xmlns:clbl="http://schemas.microsoft.com/office/2020/mipLabelMetadata"/>
+<clbl:labelList xmlns:clbl="http://schemas.microsoft.com/office/2020/mipLabelMetadata">
+  <clbl:label id="{f42aa342-8706-4288-bd11-ebb85995028c}" enabled="1" method="Privileged" siteId="{72f988bf-86f1-41af-91ab-2d7cd011db47}" removed="0"/>
+</clbl:labelList>
 </file>